--- a/doc/diagrams/packageDiagram.pptx
+++ b/doc/diagrams/packageDiagram.pptx
@@ -110,6 +110,22 @@
       </a:defRPr>
     </a:lvl9pPr>
   </p:defaultTextStyle>
+  <p:extLst>
+    <p:ext uri="{EFAFB233-063F-42B5-8137-9DF3F51BA10A}">
+      <p15:sldGuideLst xmlns:p15="http://schemas.microsoft.com/office/powerpoint/2012/main">
+        <p15:guide id="1" orient="horz" pos="1985">
+          <p15:clr>
+            <a:srgbClr val="A4A3A4"/>
+          </p15:clr>
+        </p15:guide>
+        <p15:guide id="2" pos="2722">
+          <p15:clr>
+            <a:srgbClr val="A4A3A4"/>
+          </p15:clr>
+        </p15:guide>
+      </p15:sldGuideLst>
+    </p:ext>
+  </p:extLst>
 </p:presentation>
 </file>
 
@@ -196,7 +212,7 @@
             <a:fld id="{5D8FA8FF-20DC-44E5-8C35-13EAF0A5698C}" type="datetimeFigureOut">
               <a:rPr lang="en-SG" smtClean="0"/>
               <a:pPr/>
-              <a:t>5/7/2013</a:t>
+              <a:t>19/3/2016</a:t>
             </a:fld>
             <a:endParaRPr lang="en-SG"/>
           </a:p>
@@ -737,7 +753,7 @@
             <a:fld id="{1D8BD707-D9CF-40AE-B4C6-C98DA3205C09}" type="datetimeFigureOut">
               <a:rPr lang="en-US" smtClean="0"/>
               <a:pPr/>
-              <a:t>7/5/2013</a:t>
+              <a:t>3/19/2016</a:t>
             </a:fld>
             <a:endParaRPr lang="en-US"/>
           </a:p>
@@ -904,7 +920,7 @@
             <a:fld id="{1D8BD707-D9CF-40AE-B4C6-C98DA3205C09}" type="datetimeFigureOut">
               <a:rPr lang="en-US" smtClean="0"/>
               <a:pPr/>
-              <a:t>7/5/2013</a:t>
+              <a:t>3/19/2016</a:t>
             </a:fld>
             <a:endParaRPr lang="en-US"/>
           </a:p>
@@ -1081,7 +1097,7 @@
             <a:fld id="{1D8BD707-D9CF-40AE-B4C6-C98DA3205C09}" type="datetimeFigureOut">
               <a:rPr lang="en-US" smtClean="0"/>
               <a:pPr/>
-              <a:t>7/5/2013</a:t>
+              <a:t>3/19/2016</a:t>
             </a:fld>
             <a:endParaRPr lang="en-US"/>
           </a:p>
@@ -1248,7 +1264,7 @@
             <a:fld id="{1D8BD707-D9CF-40AE-B4C6-C98DA3205C09}" type="datetimeFigureOut">
               <a:rPr lang="en-US" smtClean="0"/>
               <a:pPr/>
-              <a:t>7/5/2013</a:t>
+              <a:t>3/19/2016</a:t>
             </a:fld>
             <a:endParaRPr lang="en-US"/>
           </a:p>
@@ -1491,7 +1507,7 @@
             <a:fld id="{1D8BD707-D9CF-40AE-B4C6-C98DA3205C09}" type="datetimeFigureOut">
               <a:rPr lang="en-US" smtClean="0"/>
               <a:pPr/>
-              <a:t>7/5/2013</a:t>
+              <a:t>3/19/2016</a:t>
             </a:fld>
             <a:endParaRPr lang="en-US"/>
           </a:p>
@@ -1776,7 +1792,7 @@
             <a:fld id="{1D8BD707-D9CF-40AE-B4C6-C98DA3205C09}" type="datetimeFigureOut">
               <a:rPr lang="en-US" smtClean="0"/>
               <a:pPr/>
-              <a:t>7/5/2013</a:t>
+              <a:t>3/19/2016</a:t>
             </a:fld>
             <a:endParaRPr lang="en-US"/>
           </a:p>
@@ -2195,7 +2211,7 @@
             <a:fld id="{1D8BD707-D9CF-40AE-B4C6-C98DA3205C09}" type="datetimeFigureOut">
               <a:rPr lang="en-US" smtClean="0"/>
               <a:pPr/>
-              <a:t>7/5/2013</a:t>
+              <a:t>3/19/2016</a:t>
             </a:fld>
             <a:endParaRPr lang="en-US"/>
           </a:p>
@@ -2310,7 +2326,7 @@
             <a:fld id="{1D8BD707-D9CF-40AE-B4C6-C98DA3205C09}" type="datetimeFigureOut">
               <a:rPr lang="en-US" smtClean="0"/>
               <a:pPr/>
-              <a:t>7/5/2013</a:t>
+              <a:t>3/19/2016</a:t>
             </a:fld>
             <a:endParaRPr lang="en-US"/>
           </a:p>
@@ -2402,7 +2418,7 @@
             <a:fld id="{1D8BD707-D9CF-40AE-B4C6-C98DA3205C09}" type="datetimeFigureOut">
               <a:rPr lang="en-US" smtClean="0"/>
               <a:pPr/>
-              <a:t>7/5/2013</a:t>
+              <a:t>3/19/2016</a:t>
             </a:fld>
             <a:endParaRPr lang="en-US"/>
           </a:p>
@@ -2676,7 +2692,7 @@
             <a:fld id="{1D8BD707-D9CF-40AE-B4C6-C98DA3205C09}" type="datetimeFigureOut">
               <a:rPr lang="en-US" smtClean="0"/>
               <a:pPr/>
-              <a:t>7/5/2013</a:t>
+              <a:t>3/19/2016</a:t>
             </a:fld>
             <a:endParaRPr lang="en-US"/>
           </a:p>
@@ -2926,7 +2942,7 @@
             <a:fld id="{1D8BD707-D9CF-40AE-B4C6-C98DA3205C09}" type="datetimeFigureOut">
               <a:rPr lang="en-US" smtClean="0"/>
               <a:pPr/>
-              <a:t>7/5/2013</a:t>
+              <a:t>3/19/2016</a:t>
             </a:fld>
             <a:endParaRPr lang="en-US"/>
           </a:p>
@@ -3136,7 +3152,7 @@
             <a:fld id="{1D8BD707-D9CF-40AE-B4C6-C98DA3205C09}" type="datetimeFigureOut">
               <a:rPr lang="en-US" smtClean="0"/>
               <a:pPr/>
-              <a:t>7/5/2013</a:t>
+              <a:t>3/19/2016</a:t>
             </a:fld>
             <a:endParaRPr lang="en-US"/>
           </a:p>
@@ -3695,7 +3711,7 @@
         <p:spPr>
           <a:xfrm>
             <a:off x="2491581" y="1397792"/>
-            <a:ext cx="1524000" cy="2077278"/>
+            <a:ext cx="1524000" cy="2082008"/>
           </a:xfrm>
           <a:prstGeom prst="roundRect">
             <a:avLst>
@@ -3937,8 +3953,8 @@
         </p:nvGrpSpPr>
         <p:grpSpPr>
           <a:xfrm>
-            <a:off x="4548981" y="1828800"/>
-            <a:ext cx="1371600" cy="762000"/>
+            <a:off x="4548981" y="2467598"/>
+            <a:ext cx="1371600" cy="530396"/>
             <a:chOff x="-228600" y="1371600"/>
             <a:chExt cx="1371600" cy="762000"/>
           </a:xfrm>
@@ -3994,15 +4010,7 @@
                     <a:srgbClr val="7030A0"/>
                   </a:solidFill>
                 </a:rPr>
-                <a:t>logic</a:t>
-              </a:r>
-              <a:r>
-                <a:rPr lang="en-US" sz="1400" b="1" smtClean="0">
-                  <a:solidFill>
-                    <a:srgbClr val="7030A0"/>
-                  </a:solidFill>
-                </a:rPr>
-                <a:t>::core</a:t>
+                <a:t>logic::core</a:t>
               </a:r>
               <a:endParaRPr lang="en-SG" sz="1400" b="1" dirty="0">
                 <a:solidFill>
@@ -4071,7 +4079,7 @@
         </p:nvGrpSpPr>
         <p:grpSpPr>
           <a:xfrm>
-            <a:off x="6834981" y="1981200"/>
+            <a:off x="6834981" y="1778794"/>
             <a:ext cx="1600200" cy="762000"/>
             <a:chOff x="-457200" y="1371600"/>
             <a:chExt cx="1600200" cy="762000"/>
@@ -4197,9 +4205,9 @@
         </p:nvGrpSpPr>
         <p:grpSpPr>
           <a:xfrm>
-            <a:off x="6834981" y="3425439"/>
+            <a:off x="6834981" y="3836194"/>
             <a:ext cx="1600200" cy="762000"/>
-            <a:chOff x="-457200" y="1371600"/>
+            <a:chOff x="-457200" y="1782355"/>
             <a:chExt cx="1600200" cy="762000"/>
           </a:xfrm>
           <a:solidFill>
@@ -4214,7 +4222,7 @@
           </p:nvSpPr>
           <p:spPr>
             <a:xfrm>
-              <a:off x="-457200" y="1524000"/>
+              <a:off x="-457200" y="1934755"/>
               <a:ext cx="1600200" cy="609600"/>
             </a:xfrm>
             <a:prstGeom prst="rect">
@@ -4288,7 +4296,7 @@
           </p:nvSpPr>
           <p:spPr>
             <a:xfrm>
-              <a:off x="647700" y="1371600"/>
+              <a:off x="647700" y="1782355"/>
               <a:ext cx="495300" cy="152400"/>
             </a:xfrm>
             <a:prstGeom prst="rect">
@@ -4609,7 +4617,7 @@
         </p:nvCxnSpPr>
         <p:spPr>
           <a:xfrm>
-            <a:off x="6301581" y="3962400"/>
+            <a:off x="6301581" y="4293394"/>
             <a:ext cx="533400" cy="0"/>
           </a:xfrm>
           <a:prstGeom prst="straightConnector1">
@@ -4687,8 +4695,8 @@
         </p:nvCxnSpPr>
         <p:spPr>
           <a:xfrm flipV="1">
-            <a:off x="7596981" y="2743200"/>
-            <a:ext cx="0" cy="834640"/>
+            <a:off x="6911181" y="2540794"/>
+            <a:ext cx="0" cy="1440000"/>
           </a:xfrm>
           <a:prstGeom prst="straightConnector1">
             <a:avLst/>
@@ -4802,7 +4810,7 @@
         <p:spPr>
           <a:xfrm>
             <a:off x="7596981" y="659449"/>
-            <a:ext cx="0" cy="1460975"/>
+            <a:ext cx="0" cy="1260000"/>
           </a:xfrm>
           <a:prstGeom prst="straightConnector1">
             <a:avLst/>
@@ -4874,13 +4882,16 @@
       <p:cxnSp>
         <p:nvCxnSpPr>
           <p:cNvPr id="119" name="Straight Arrow Connector 118"/>
-          <p:cNvCxnSpPr/>
+          <p:cNvCxnSpPr>
+            <a:stCxn id="98" idx="2"/>
+            <a:endCxn id="127" idx="0"/>
+          </p:cNvCxnSpPr>
           <p:nvPr/>
         </p:nvCxnSpPr>
         <p:spPr>
           <a:xfrm>
-            <a:off x="5158581" y="2590800"/>
-            <a:ext cx="0" cy="457200"/>
+            <a:off x="5234781" y="2997994"/>
+            <a:ext cx="0" cy="291856"/>
           </a:xfrm>
           <a:prstGeom prst="straightConnector1">
             <a:avLst/>
@@ -5078,13 +5089,16 @@
       <p:cxnSp>
         <p:nvCxnSpPr>
           <p:cNvPr id="124" name="Straight Arrow Connector 123"/>
-          <p:cNvCxnSpPr/>
+          <p:cNvCxnSpPr>
+            <a:stCxn id="127" idx="2"/>
+            <a:endCxn id="122" idx="0"/>
+          </p:cNvCxnSpPr>
           <p:nvPr/>
         </p:nvCxnSpPr>
         <p:spPr>
           <a:xfrm>
-            <a:off x="5158581" y="3657600"/>
-            <a:ext cx="0" cy="609600"/>
+            <a:off x="5234781" y="3759994"/>
+            <a:ext cx="0" cy="507206"/>
           </a:xfrm>
           <a:prstGeom prst="straightConnector1">
             <a:avLst/>
@@ -5159,8 +5173,8 @@
         </p:nvGrpSpPr>
         <p:grpSpPr>
           <a:xfrm>
-            <a:off x="4548981" y="2895600"/>
-            <a:ext cx="1371600" cy="762000"/>
+            <a:off x="4548981" y="3172314"/>
+            <a:ext cx="1371600" cy="587680"/>
             <a:chOff x="-228600" y="1371600"/>
             <a:chExt cx="1371600" cy="762000"/>
           </a:xfrm>
@@ -5453,19 +5467,20 @@
         <p:nvCxnSpPr>
           <p:cNvPr id="133" name="Elbow Connector 132"/>
           <p:cNvCxnSpPr>
+            <a:stCxn id="122" idx="0"/>
             <a:endCxn id="98" idx="3"/>
           </p:cNvCxnSpPr>
           <p:nvPr/>
         </p:nvCxnSpPr>
         <p:spPr>
           <a:xfrm rot="5400000" flipH="1" flipV="1">
-            <a:off x="4701381" y="2743200"/>
-            <a:ext cx="1676400" cy="762000"/>
+            <a:off x="4836999" y="3183618"/>
+            <a:ext cx="1481364" cy="685800"/>
           </a:xfrm>
           <a:prstGeom prst="bentConnector4">
             <a:avLst>
-              <a:gd name="adj1" fmla="val 637"/>
-              <a:gd name="adj2" fmla="val 130000"/>
+              <a:gd name="adj1" fmla="val 18834"/>
+              <a:gd name="adj2" fmla="val 133333"/>
             </a:avLst>
           </a:prstGeom>
           <a:ln w="38100">
@@ -5804,8 +5819,8 @@
         </p:nvCxnSpPr>
         <p:spPr>
           <a:xfrm>
-            <a:off x="7596981" y="4191000"/>
-            <a:ext cx="0" cy="841403"/>
+            <a:off x="7596981" y="4598194"/>
+            <a:ext cx="0" cy="432000"/>
           </a:xfrm>
           <a:prstGeom prst="straightConnector1">
             <a:avLst/>
@@ -6934,17 +6949,7 @@
                     </a:schemeClr>
                   </a:solidFill>
                 </a:rPr>
-                <a:t>test</a:t>
-              </a:r>
-              <a:r>
-                <a:rPr lang="en-US" sz="1400" b="1" dirty="0" smtClean="0">
-                  <a:solidFill>
-                    <a:schemeClr val="accent2">
-                      <a:lumMod val="75000"/>
-                    </a:schemeClr>
-                  </a:solidFill>
-                </a:rPr>
-                <a:t>::</a:t>
+                <a:t>test::</a:t>
               </a:r>
               <a:r>
                 <a:rPr lang="en-US" sz="1400" b="1" dirty="0" err="1" smtClean="0">
@@ -7090,17 +7095,7 @@
                     </a:schemeClr>
                   </a:solidFill>
                 </a:rPr>
-                <a:t>test::</a:t>
-              </a:r>
-              <a:r>
-                <a:rPr lang="en-US" sz="1400" b="1" dirty="0" smtClean="0">
-                  <a:solidFill>
-                    <a:schemeClr val="accent2">
-                      <a:lumMod val="75000"/>
-                    </a:schemeClr>
-                  </a:solidFill>
-                </a:rPr>
-                <a:t>cases::</a:t>
+                <a:t>test::cases::</a:t>
               </a:r>
               <a:br>
                 <a:rPr lang="en-US" sz="1400" b="1" dirty="0" smtClean="0">
@@ -7275,17 +7270,7 @@
                     </a:schemeClr>
                   </a:solidFill>
                 </a:rPr>
-                <a:t>test::</a:t>
-              </a:r>
-              <a:r>
-                <a:rPr lang="en-US" sz="1400" b="1" dirty="0" smtClean="0">
-                  <a:solidFill>
-                    <a:schemeClr val="accent2">
-                      <a:lumMod val="75000"/>
-                    </a:schemeClr>
-                  </a:solidFill>
-                </a:rPr>
-                <a:t>cases:: *</a:t>
+                <a:t>test::cases:: *</a:t>
               </a:r>
               <a:endParaRPr lang="en-SG" sz="1400" b="1" dirty="0">
                 <a:solidFill>
@@ -7472,6 +7457,320 @@
           </a:fontRef>
         </p:style>
       </p:cxnSp>
+      <p:grpSp>
+        <p:nvGrpSpPr>
+          <p:cNvPr id="161" name="Group 160"/>
+          <p:cNvGrpSpPr/>
+          <p:nvPr/>
+        </p:nvGrpSpPr>
+        <p:grpSpPr>
+          <a:xfrm>
+            <a:off x="7063581" y="2769394"/>
+            <a:ext cx="1371600" cy="762000"/>
+            <a:chOff x="-228600" y="1371600"/>
+            <a:chExt cx="1371600" cy="762000"/>
+          </a:xfrm>
+          <a:solidFill>
+            <a:schemeClr val="bg1"/>
+          </a:solidFill>
+        </p:grpSpPr>
+        <p:sp>
+          <p:nvSpPr>
+            <p:cNvPr id="173" name="Rectangle 172"/>
+            <p:cNvSpPr/>
+            <p:nvPr/>
+          </p:nvSpPr>
+          <p:spPr>
+            <a:xfrm>
+              <a:off x="-228600" y="1524000"/>
+              <a:ext cx="1371600" cy="609600"/>
+            </a:xfrm>
+            <a:prstGeom prst="rect">
+              <a:avLst/>
+            </a:prstGeom>
+            <a:grpFill/>
+            <a:ln>
+              <a:solidFill>
+                <a:srgbClr val="00B050"/>
+              </a:solidFill>
+            </a:ln>
+          </p:spPr>
+          <p:style>
+            <a:lnRef idx="2">
+              <a:schemeClr val="accent1">
+                <a:shade val="50000"/>
+              </a:schemeClr>
+            </a:lnRef>
+            <a:fillRef idx="1">
+              <a:schemeClr val="accent1"/>
+            </a:fillRef>
+            <a:effectRef idx="0">
+              <a:schemeClr val="accent1"/>
+            </a:effectRef>
+            <a:fontRef idx="minor">
+              <a:schemeClr val="lt1"/>
+            </a:fontRef>
+          </p:style>
+          <p:txBody>
+            <a:bodyPr rtlCol="0" anchor="ctr"/>
+            <a:lstStyle/>
+            <a:p>
+              <a:pPr algn="ctr"/>
+              <a:r>
+                <a:rPr lang="en-US" sz="1400" b="1" dirty="0" smtClean="0">
+                  <a:solidFill>
+                    <a:srgbClr val="00B050"/>
+                  </a:solidFill>
+                </a:rPr>
+                <a:t>storage</a:t>
+              </a:r>
+              <a:r>
+                <a:rPr lang="en-US" sz="1400" b="1" dirty="0" smtClean="0">
+                  <a:solidFill>
+                    <a:srgbClr val="00B050"/>
+                  </a:solidFill>
+                </a:rPr>
+                <a:t>::search</a:t>
+              </a:r>
+              <a:endParaRPr lang="en-SG" sz="1400" b="1" dirty="0">
+                <a:solidFill>
+                  <a:srgbClr val="00B050"/>
+                </a:solidFill>
+              </a:endParaRPr>
+            </a:p>
+          </p:txBody>
+        </p:sp>
+        <p:sp>
+          <p:nvSpPr>
+            <p:cNvPr id="174" name="Rectangle 173"/>
+            <p:cNvSpPr/>
+            <p:nvPr/>
+          </p:nvSpPr>
+          <p:spPr>
+            <a:xfrm>
+              <a:off x="647700" y="1371600"/>
+              <a:ext cx="495300" cy="152400"/>
+            </a:xfrm>
+            <a:prstGeom prst="rect">
+              <a:avLst/>
+            </a:prstGeom>
+            <a:grpFill/>
+            <a:ln>
+              <a:solidFill>
+                <a:srgbClr val="00B050"/>
+              </a:solidFill>
+            </a:ln>
+          </p:spPr>
+          <p:style>
+            <a:lnRef idx="2">
+              <a:schemeClr val="accent1">
+                <a:shade val="50000"/>
+              </a:schemeClr>
+            </a:lnRef>
+            <a:fillRef idx="1">
+              <a:schemeClr val="accent1"/>
+            </a:fillRef>
+            <a:effectRef idx="0">
+              <a:schemeClr val="accent1"/>
+            </a:effectRef>
+            <a:fontRef idx="minor">
+              <a:schemeClr val="lt1"/>
+            </a:fontRef>
+          </p:style>
+          <p:txBody>
+            <a:bodyPr rtlCol="0" anchor="ctr"/>
+            <a:lstStyle/>
+            <a:p>
+              <a:pPr algn="ctr"/>
+              <a:endParaRPr lang="en-SG" sz="1400" b="1">
+                <a:solidFill>
+                  <a:srgbClr val="00B050"/>
+                </a:solidFill>
+              </a:endParaRPr>
+            </a:p>
+          </p:txBody>
+        </p:sp>
+      </p:grpSp>
+      <p:cxnSp>
+        <p:nvCxnSpPr>
+          <p:cNvPr id="175" name="Straight Arrow Connector 174"/>
+          <p:cNvCxnSpPr/>
+          <p:nvPr/>
+        </p:nvCxnSpPr>
+        <p:spPr>
+          <a:xfrm flipV="1">
+            <a:off x="7596981" y="3528994"/>
+            <a:ext cx="0" cy="432000"/>
+          </a:xfrm>
+          <a:prstGeom prst="straightConnector1">
+            <a:avLst/>
+          </a:prstGeom>
+          <a:ln w="38100">
+            <a:solidFill>
+              <a:srgbClr val="00B050"/>
+            </a:solidFill>
+            <a:prstDash val="sysDot"/>
+            <a:headEnd type="none" w="med" len="med"/>
+            <a:tailEnd type="triangle" w="med" len="med"/>
+          </a:ln>
+        </p:spPr>
+        <p:style>
+          <a:lnRef idx="1">
+            <a:schemeClr val="accent1"/>
+          </a:lnRef>
+          <a:fillRef idx="0">
+            <a:schemeClr val="accent1"/>
+          </a:fillRef>
+          <a:effectRef idx="0">
+            <a:schemeClr val="accent1"/>
+          </a:effectRef>
+          <a:fontRef idx="minor">
+            <a:schemeClr val="tx1"/>
+          </a:fontRef>
+        </p:style>
+      </p:cxnSp>
+      <p:grpSp>
+        <p:nvGrpSpPr>
+          <p:cNvPr id="177" name="Group 176"/>
+          <p:cNvGrpSpPr/>
+          <p:nvPr/>
+        </p:nvGrpSpPr>
+        <p:grpSpPr>
+          <a:xfrm>
+            <a:off x="4434681" y="1768290"/>
+            <a:ext cx="1752600" cy="530396"/>
+            <a:chOff x="-228600" y="1371600"/>
+            <a:chExt cx="1371600" cy="762000"/>
+          </a:xfrm>
+          <a:solidFill>
+            <a:schemeClr val="bg1"/>
+          </a:solidFill>
+        </p:grpSpPr>
+        <p:sp>
+          <p:nvSpPr>
+            <p:cNvPr id="178" name="Rectangle 177"/>
+            <p:cNvSpPr/>
+            <p:nvPr/>
+          </p:nvSpPr>
+          <p:spPr>
+            <a:xfrm>
+              <a:off x="-228600" y="1524000"/>
+              <a:ext cx="1371600" cy="609600"/>
+            </a:xfrm>
+            <a:prstGeom prst="rect">
+              <a:avLst/>
+            </a:prstGeom>
+            <a:grpFill/>
+            <a:ln>
+              <a:solidFill>
+                <a:srgbClr val="7030A0"/>
+              </a:solidFill>
+            </a:ln>
+          </p:spPr>
+          <p:style>
+            <a:lnRef idx="2">
+              <a:schemeClr val="accent1">
+                <a:shade val="50000"/>
+              </a:schemeClr>
+            </a:lnRef>
+            <a:fillRef idx="1">
+              <a:schemeClr val="accent1"/>
+            </a:fillRef>
+            <a:effectRef idx="0">
+              <a:schemeClr val="accent1"/>
+            </a:effectRef>
+            <a:fontRef idx="minor">
+              <a:schemeClr val="lt1"/>
+            </a:fontRef>
+          </p:style>
+          <p:txBody>
+            <a:bodyPr rtlCol="0" anchor="ctr"/>
+            <a:lstStyle/>
+            <a:p>
+              <a:pPr algn="ctr"/>
+              <a:r>
+                <a:rPr lang="en-US" sz="1400" b="1" dirty="0" smtClean="0">
+                  <a:solidFill>
+                    <a:srgbClr val="7030A0"/>
+                  </a:solidFill>
+                </a:rPr>
+                <a:t>logic</a:t>
+              </a:r>
+              <a:r>
+                <a:rPr lang="en-US" sz="1400" b="1" dirty="0" smtClean="0">
+                  <a:solidFill>
+                    <a:srgbClr val="7030A0"/>
+                  </a:solidFill>
+                </a:rPr>
+                <a:t>::</a:t>
+              </a:r>
+              <a:r>
+                <a:rPr lang="en-US" sz="1400" b="1" dirty="0" err="1" smtClean="0">
+                  <a:solidFill>
+                    <a:srgbClr val="7030A0"/>
+                  </a:solidFill>
+                </a:rPr>
+                <a:t>publicresource</a:t>
+              </a:r>
+              <a:endParaRPr lang="en-SG" sz="1400" b="1" dirty="0">
+                <a:solidFill>
+                  <a:srgbClr val="7030A0"/>
+                </a:solidFill>
+              </a:endParaRPr>
+            </a:p>
+          </p:txBody>
+        </p:sp>
+        <p:sp>
+          <p:nvSpPr>
+            <p:cNvPr id="179" name="Rectangle 178"/>
+            <p:cNvSpPr/>
+            <p:nvPr/>
+          </p:nvSpPr>
+          <p:spPr>
+            <a:xfrm>
+              <a:off x="647700" y="1371600"/>
+              <a:ext cx="495300" cy="152400"/>
+            </a:xfrm>
+            <a:prstGeom prst="rect">
+              <a:avLst/>
+            </a:prstGeom>
+            <a:grpFill/>
+            <a:ln>
+              <a:solidFill>
+                <a:srgbClr val="7030A0"/>
+              </a:solidFill>
+            </a:ln>
+          </p:spPr>
+          <p:style>
+            <a:lnRef idx="2">
+              <a:schemeClr val="accent1">
+                <a:shade val="50000"/>
+              </a:schemeClr>
+            </a:lnRef>
+            <a:fillRef idx="1">
+              <a:schemeClr val="accent1"/>
+            </a:fillRef>
+            <a:effectRef idx="0">
+              <a:schemeClr val="accent1"/>
+            </a:effectRef>
+            <a:fontRef idx="minor">
+              <a:schemeClr val="lt1"/>
+            </a:fontRef>
+          </p:style>
+          <p:txBody>
+            <a:bodyPr rtlCol="0" anchor="ctr"/>
+            <a:lstStyle/>
+            <a:p>
+              <a:pPr algn="ctr"/>
+              <a:endParaRPr lang="en-SG" sz="1400" b="1">
+                <a:solidFill>
+                  <a:srgbClr val="7030A0"/>
+                </a:solidFill>
+              </a:endParaRPr>
+            </a:p>
+          </p:txBody>
+        </p:sp>
+      </p:grpSp>
     </p:spTree>
     <p:extLst>
       <p:ext uri="{BB962C8B-B14F-4D97-AF65-F5344CB8AC3E}">
